--- a/dominance_in_dialogue/figs/utterances speaker heare.pptx
+++ b/dominance_in_dialogue/figs/utterances speaker heare.pptx
@@ -113,7 +113,7 @@
   </p:defaultTextStyle>
   <p:extLst>
     <p:ext uri="{EFAFB233-063F-42B5-8137-9DF3F51BA10A}">
-      <p15:sldGuideLst xmlns="" xmlns:p15="http://schemas.microsoft.com/office/powerpoint/2012/main">
+      <p15:sldGuideLst xmlns:p15="http://schemas.microsoft.com/office/powerpoint/2012/main" xmlns="">
         <p15:guide id="1" orient="horz" pos="2160">
           <p15:clr>
             <a:srgbClr val="A4A3A4"/>
@@ -311,7 +311,7 @@
           <a:p>
             <a:fld id="{996AD471-483E-42FA-AD43-6CE37FA07CFA}" type="datetimeFigureOut">
               <a:rPr lang="fr-FR" smtClean="0"/>
-              <a:t>24/03/2016</a:t>
+              <a:t>11/07/2016</a:t>
             </a:fld>
             <a:endParaRPr lang="fr-FR"/>
           </a:p>
@@ -481,7 +481,7 @@
           <a:p>
             <a:fld id="{996AD471-483E-42FA-AD43-6CE37FA07CFA}" type="datetimeFigureOut">
               <a:rPr lang="fr-FR" smtClean="0"/>
-              <a:t>24/03/2016</a:t>
+              <a:t>11/07/2016</a:t>
             </a:fld>
             <a:endParaRPr lang="fr-FR"/>
           </a:p>
@@ -661,7 +661,7 @@
           <a:p>
             <a:fld id="{996AD471-483E-42FA-AD43-6CE37FA07CFA}" type="datetimeFigureOut">
               <a:rPr lang="fr-FR" smtClean="0"/>
-              <a:t>24/03/2016</a:t>
+              <a:t>11/07/2016</a:t>
             </a:fld>
             <a:endParaRPr lang="fr-FR"/>
           </a:p>
@@ -831,7 +831,7 @@
           <a:p>
             <a:fld id="{996AD471-483E-42FA-AD43-6CE37FA07CFA}" type="datetimeFigureOut">
               <a:rPr lang="fr-FR" smtClean="0"/>
-              <a:t>24/03/2016</a:t>
+              <a:t>11/07/2016</a:t>
             </a:fld>
             <a:endParaRPr lang="fr-FR"/>
           </a:p>
@@ -1077,7 +1077,7 @@
           <a:p>
             <a:fld id="{996AD471-483E-42FA-AD43-6CE37FA07CFA}" type="datetimeFigureOut">
               <a:rPr lang="fr-FR" smtClean="0"/>
-              <a:t>24/03/2016</a:t>
+              <a:t>11/07/2016</a:t>
             </a:fld>
             <a:endParaRPr lang="fr-FR"/>
           </a:p>
@@ -1365,7 +1365,7 @@
           <a:p>
             <a:fld id="{996AD471-483E-42FA-AD43-6CE37FA07CFA}" type="datetimeFigureOut">
               <a:rPr lang="fr-FR" smtClean="0"/>
-              <a:t>24/03/2016</a:t>
+              <a:t>11/07/2016</a:t>
             </a:fld>
             <a:endParaRPr lang="fr-FR"/>
           </a:p>
@@ -1787,7 +1787,7 @@
           <a:p>
             <a:fld id="{996AD471-483E-42FA-AD43-6CE37FA07CFA}" type="datetimeFigureOut">
               <a:rPr lang="fr-FR" smtClean="0"/>
-              <a:t>24/03/2016</a:t>
+              <a:t>11/07/2016</a:t>
             </a:fld>
             <a:endParaRPr lang="fr-FR"/>
           </a:p>
@@ -1905,7 +1905,7 @@
           <a:p>
             <a:fld id="{996AD471-483E-42FA-AD43-6CE37FA07CFA}" type="datetimeFigureOut">
               <a:rPr lang="fr-FR" smtClean="0"/>
-              <a:t>24/03/2016</a:t>
+              <a:t>11/07/2016</a:t>
             </a:fld>
             <a:endParaRPr lang="fr-FR"/>
           </a:p>
@@ -2000,7 +2000,7 @@
           <a:p>
             <a:fld id="{996AD471-483E-42FA-AD43-6CE37FA07CFA}" type="datetimeFigureOut">
               <a:rPr lang="fr-FR" smtClean="0"/>
-              <a:t>24/03/2016</a:t>
+              <a:t>11/07/2016</a:t>
             </a:fld>
             <a:endParaRPr lang="fr-FR"/>
           </a:p>
@@ -2277,7 +2277,7 @@
           <a:p>
             <a:fld id="{996AD471-483E-42FA-AD43-6CE37FA07CFA}" type="datetimeFigureOut">
               <a:rPr lang="fr-FR" smtClean="0"/>
-              <a:t>24/03/2016</a:t>
+              <a:t>11/07/2016</a:t>
             </a:fld>
             <a:endParaRPr lang="fr-FR"/>
           </a:p>
@@ -2530,7 +2530,7 @@
           <a:p>
             <a:fld id="{996AD471-483E-42FA-AD43-6CE37FA07CFA}" type="datetimeFigureOut">
               <a:rPr lang="fr-FR" smtClean="0"/>
-              <a:t>24/03/2016</a:t>
+              <a:t>11/07/2016</a:t>
             </a:fld>
             <a:endParaRPr lang="fr-FR"/>
           </a:p>
@@ -2743,7 +2743,7 @@
           <a:p>
             <a:fld id="{996AD471-483E-42FA-AD43-6CE37FA07CFA}" type="datetimeFigureOut">
               <a:rPr lang="fr-FR" smtClean="0"/>
-              <a:t>24/03/2016</a:t>
+              <a:t>11/07/2016</a:t>
             </a:fld>
             <a:endParaRPr lang="fr-FR"/>
           </a:p>
@@ -3244,11 +3244,7 @@
             <a:pPr algn="ctr"/>
             <a:r>
               <a:rPr lang="fr-FR" dirty="0" smtClean="0"/>
-              <a:t>Input : Dans </a:t>
-            </a:r>
-            <a:r>
-              <a:rPr lang="fr-FR" dirty="0" smtClean="0"/>
-              <a:t>le script</a:t>
+              <a:t>Input : Dans le script</a:t>
             </a:r>
             <a:endParaRPr lang="fr-FR" dirty="0"/>
           </a:p>
